--- a/设计图.pptx
+++ b/设计图.pptx
@@ -11,6 +11,10 @@
     <p:sldId id="260" r:id="rId5"/>
     <p:sldId id="261" r:id="rId6"/>
     <p:sldId id="262" r:id="rId7"/>
+    <p:sldId id="264" r:id="rId8"/>
+    <p:sldId id="263" r:id="rId9"/>
+    <p:sldId id="265" r:id="rId10"/>
+    <p:sldId id="266" r:id="rId11"/>
   </p:sldIdLst>
   <p:sldSz cx="12192000" cy="6858000"/>
   <p:notesSz cx="6858000" cy="9144000"/>
@@ -109,6 +113,11 @@
       </a:defRPr>
     </a:lvl9pPr>
   </p:defaultTextStyle>
+  <p:extLst>
+    <p:ext uri="{EFAFB233-063F-42B5-8137-9DF3F51BA10A}">
+      <p15:sldGuideLst xmlns:p15="http://schemas.microsoft.com/office/powerpoint/2012/main"/>
+    </p:ext>
+  </p:extLst>
 </p:presentation>
 </file>
 
@@ -259,7 +268,7 @@
           <a:p>
             <a:fld id="{87B7CC28-A81F-4485-B7B9-A8E70C0181F8}" type="datetimeFigureOut">
               <a:rPr lang="zh-CN" altLang="en-US" smtClean="0"/>
-              <a:t>2019/11/26</a:t>
+              <a:t>2019/12/15</a:t>
             </a:fld>
             <a:endParaRPr lang="zh-CN" altLang="en-US"/>
           </a:p>
@@ -457,7 +466,7 @@
           <a:p>
             <a:fld id="{87B7CC28-A81F-4485-B7B9-A8E70C0181F8}" type="datetimeFigureOut">
               <a:rPr lang="zh-CN" altLang="en-US" smtClean="0"/>
-              <a:t>2019/11/26</a:t>
+              <a:t>2019/12/15</a:t>
             </a:fld>
             <a:endParaRPr lang="zh-CN" altLang="en-US"/>
           </a:p>
@@ -665,7 +674,7 @@
           <a:p>
             <a:fld id="{87B7CC28-A81F-4485-B7B9-A8E70C0181F8}" type="datetimeFigureOut">
               <a:rPr lang="zh-CN" altLang="en-US" smtClean="0"/>
-              <a:t>2019/11/26</a:t>
+              <a:t>2019/12/15</a:t>
             </a:fld>
             <a:endParaRPr lang="zh-CN" altLang="en-US"/>
           </a:p>
@@ -863,7 +872,7 @@
           <a:p>
             <a:fld id="{87B7CC28-A81F-4485-B7B9-A8E70C0181F8}" type="datetimeFigureOut">
               <a:rPr lang="zh-CN" altLang="en-US" smtClean="0"/>
-              <a:t>2019/11/26</a:t>
+              <a:t>2019/12/15</a:t>
             </a:fld>
             <a:endParaRPr lang="zh-CN" altLang="en-US"/>
           </a:p>
@@ -1138,7 +1147,7 @@
           <a:p>
             <a:fld id="{87B7CC28-A81F-4485-B7B9-A8E70C0181F8}" type="datetimeFigureOut">
               <a:rPr lang="zh-CN" altLang="en-US" smtClean="0"/>
-              <a:t>2019/11/26</a:t>
+              <a:t>2019/12/15</a:t>
             </a:fld>
             <a:endParaRPr lang="zh-CN" altLang="en-US"/>
           </a:p>
@@ -1403,7 +1412,7 @@
           <a:p>
             <a:fld id="{87B7CC28-A81F-4485-B7B9-A8E70C0181F8}" type="datetimeFigureOut">
               <a:rPr lang="zh-CN" altLang="en-US" smtClean="0"/>
-              <a:t>2019/11/26</a:t>
+              <a:t>2019/12/15</a:t>
             </a:fld>
             <a:endParaRPr lang="zh-CN" altLang="en-US"/>
           </a:p>
@@ -1815,7 +1824,7 @@
           <a:p>
             <a:fld id="{87B7CC28-A81F-4485-B7B9-A8E70C0181F8}" type="datetimeFigureOut">
               <a:rPr lang="zh-CN" altLang="en-US" smtClean="0"/>
-              <a:t>2019/11/26</a:t>
+              <a:t>2019/12/15</a:t>
             </a:fld>
             <a:endParaRPr lang="zh-CN" altLang="en-US"/>
           </a:p>
@@ -1956,7 +1965,7 @@
           <a:p>
             <a:fld id="{87B7CC28-A81F-4485-B7B9-A8E70C0181F8}" type="datetimeFigureOut">
               <a:rPr lang="zh-CN" altLang="en-US" smtClean="0"/>
-              <a:t>2019/11/26</a:t>
+              <a:t>2019/12/15</a:t>
             </a:fld>
             <a:endParaRPr lang="zh-CN" altLang="en-US"/>
           </a:p>
@@ -2069,7 +2078,7 @@
           <a:p>
             <a:fld id="{87B7CC28-A81F-4485-B7B9-A8E70C0181F8}" type="datetimeFigureOut">
               <a:rPr lang="zh-CN" altLang="en-US" smtClean="0"/>
-              <a:t>2019/11/26</a:t>
+              <a:t>2019/12/15</a:t>
             </a:fld>
             <a:endParaRPr lang="zh-CN" altLang="en-US"/>
           </a:p>
@@ -2380,7 +2389,7 @@
           <a:p>
             <a:fld id="{87B7CC28-A81F-4485-B7B9-A8E70C0181F8}" type="datetimeFigureOut">
               <a:rPr lang="zh-CN" altLang="en-US" smtClean="0"/>
-              <a:t>2019/11/26</a:t>
+              <a:t>2019/12/15</a:t>
             </a:fld>
             <a:endParaRPr lang="zh-CN" altLang="en-US"/>
           </a:p>
@@ -2668,7 +2677,7 @@
           <a:p>
             <a:fld id="{87B7CC28-A81F-4485-B7B9-A8E70C0181F8}" type="datetimeFigureOut">
               <a:rPr lang="zh-CN" altLang="en-US" smtClean="0"/>
-              <a:t>2019/11/26</a:t>
+              <a:t>2019/12/15</a:t>
             </a:fld>
             <a:endParaRPr lang="zh-CN" altLang="en-US"/>
           </a:p>
@@ -2909,7 +2918,7 @@
           <a:p>
             <a:fld id="{87B7CC28-A81F-4485-B7B9-A8E70C0181F8}" type="datetimeFigureOut">
               <a:rPr lang="zh-CN" altLang="en-US" smtClean="0"/>
-              <a:t>2019/11/26</a:t>
+              <a:t>2019/12/15</a:t>
             </a:fld>
             <a:endParaRPr lang="zh-CN" altLang="en-US"/>
           </a:p>
@@ -3408,6 +3417,550 @@
 </p:sld>
 </file>
 
+<file path=ppt/slides/slide10.xml><?xml version="1.0" encoding="utf-8"?>
+<p:sld xmlns:a="http://schemas.openxmlformats.org/drawingml/2006/main" xmlns:r="http://schemas.openxmlformats.org/officeDocument/2006/relationships" xmlns:p="http://schemas.openxmlformats.org/presentationml/2006/main">
+  <p:cSld>
+    <p:spTree>
+      <p:nvGrpSpPr>
+        <p:cNvPr id="1" name=""/>
+        <p:cNvGrpSpPr/>
+        <p:nvPr/>
+      </p:nvGrpSpPr>
+      <p:grpSpPr>
+        <a:xfrm>
+          <a:off x="0" y="0"/>
+          <a:ext cx="0" cy="0"/>
+          <a:chOff x="0" y="0"/>
+          <a:chExt cx="0" cy="0"/>
+        </a:xfrm>
+      </p:grpSpPr>
+      <p:sp>
+        <p:nvSpPr>
+          <p:cNvPr id="11" name="箭头: 圆角右 10">
+            <a:extLst>
+              <a:ext uri="{FF2B5EF4-FFF2-40B4-BE49-F238E27FC236}">
+                <a16:creationId xmlns:a16="http://schemas.microsoft.com/office/drawing/2014/main" id="{2ABFC69B-7081-4664-94A9-E71333F78BF4}"/>
+              </a:ext>
+            </a:extLst>
+          </p:cNvPr>
+          <p:cNvSpPr/>
+          <p:nvPr/>
+        </p:nvSpPr>
+        <p:spPr>
+          <a:xfrm rot="5400000" flipH="1">
+            <a:off x="7282324" y="3903174"/>
+            <a:ext cx="652476" cy="631242"/>
+          </a:xfrm>
+          <a:prstGeom prst="bentArrow">
+            <a:avLst/>
+          </a:prstGeom>
+        </p:spPr>
+        <p:style>
+          <a:lnRef idx="2">
+            <a:schemeClr val="dk1"/>
+          </a:lnRef>
+          <a:fillRef idx="1">
+            <a:schemeClr val="lt1"/>
+          </a:fillRef>
+          <a:effectRef idx="0">
+            <a:schemeClr val="dk1"/>
+          </a:effectRef>
+          <a:fontRef idx="minor">
+            <a:schemeClr val="dk1"/>
+          </a:fontRef>
+        </p:style>
+        <p:txBody>
+          <a:bodyPr rtlCol="0" anchor="ctr"/>
+          <a:lstStyle/>
+          <a:p>
+            <a:pPr algn="ctr"/>
+            <a:endParaRPr lang="zh-CN" altLang="en-US">
+              <a:solidFill>
+                <a:schemeClr val="tx1"/>
+              </a:solidFill>
+            </a:endParaRPr>
+          </a:p>
+        </p:txBody>
+      </p:sp>
+      <p:sp>
+        <p:nvSpPr>
+          <p:cNvPr id="12" name="立方体 11">
+            <a:extLst>
+              <a:ext uri="{FF2B5EF4-FFF2-40B4-BE49-F238E27FC236}">
+                <a16:creationId xmlns:a16="http://schemas.microsoft.com/office/drawing/2014/main" id="{D0D2E80D-13A0-4AFC-AC26-310EC939DB1F}"/>
+              </a:ext>
+            </a:extLst>
+          </p:cNvPr>
+          <p:cNvSpPr/>
+          <p:nvPr/>
+        </p:nvSpPr>
+        <p:spPr>
+          <a:xfrm flipH="1">
+            <a:off x="6784643" y="3216771"/>
+            <a:ext cx="1732904" cy="720877"/>
+          </a:xfrm>
+          <a:prstGeom prst="cube">
+            <a:avLst>
+              <a:gd name="adj" fmla="val 61458"/>
+            </a:avLst>
+          </a:prstGeom>
+        </p:spPr>
+        <p:style>
+          <a:lnRef idx="2">
+            <a:schemeClr val="dk1"/>
+          </a:lnRef>
+          <a:fillRef idx="1">
+            <a:schemeClr val="lt1"/>
+          </a:fillRef>
+          <a:effectRef idx="0">
+            <a:schemeClr val="dk1"/>
+          </a:effectRef>
+          <a:fontRef idx="minor">
+            <a:schemeClr val="dk1"/>
+          </a:fontRef>
+        </p:style>
+        <p:txBody>
+          <a:bodyPr vert="horz" rtlCol="0" anchor="ctr"/>
+          <a:lstStyle/>
+          <a:p>
+            <a:pPr algn="ctr"/>
+            <a:r>
+              <a:rPr lang="zh-CN" altLang="en-US" dirty="0"/>
+              <a:t>流式哈希</a:t>
+            </a:r>
+          </a:p>
+        </p:txBody>
+      </p:sp>
+      <p:sp>
+        <p:nvSpPr>
+          <p:cNvPr id="13" name="箭头: 上 12">
+            <a:extLst>
+              <a:ext uri="{FF2B5EF4-FFF2-40B4-BE49-F238E27FC236}">
+                <a16:creationId xmlns:a16="http://schemas.microsoft.com/office/drawing/2014/main" id="{C1EF54F2-22E8-4D89-AD06-7AA0D5FE457C}"/>
+              </a:ext>
+            </a:extLst>
+          </p:cNvPr>
+          <p:cNvSpPr/>
+          <p:nvPr/>
+        </p:nvSpPr>
+        <p:spPr>
+          <a:xfrm>
+            <a:off x="6442478" y="2355818"/>
+            <a:ext cx="2417234" cy="1099821"/>
+          </a:xfrm>
+          <a:prstGeom prst="upArrow">
+            <a:avLst>
+              <a:gd name="adj1" fmla="val 38099"/>
+              <a:gd name="adj2" fmla="val 50000"/>
+            </a:avLst>
+          </a:prstGeom>
+        </p:spPr>
+        <p:style>
+          <a:lnRef idx="2">
+            <a:schemeClr val="dk1"/>
+          </a:lnRef>
+          <a:fillRef idx="1">
+            <a:schemeClr val="lt1"/>
+          </a:fillRef>
+          <a:effectRef idx="0">
+            <a:schemeClr val="dk1"/>
+          </a:effectRef>
+          <a:fontRef idx="minor">
+            <a:schemeClr val="dk1"/>
+          </a:fontRef>
+        </p:style>
+        <p:txBody>
+          <a:bodyPr rtlCol="0" anchor="ctr"/>
+          <a:lstStyle/>
+          <a:p>
+            <a:pPr algn="ctr"/>
+            <a:r>
+              <a:rPr lang="zh-CN" altLang="en-US" dirty="0"/>
+              <a:t>更新文件指纹</a:t>
+            </a:r>
+          </a:p>
+        </p:txBody>
+      </p:sp>
+      <p:sp>
+        <p:nvSpPr>
+          <p:cNvPr id="2" name="标题 1">
+            <a:extLst>
+              <a:ext uri="{FF2B5EF4-FFF2-40B4-BE49-F238E27FC236}">
+                <a16:creationId xmlns:a16="http://schemas.microsoft.com/office/drawing/2014/main" id="{CDAD3D91-8379-490A-AB91-454B63565E88}"/>
+              </a:ext>
+            </a:extLst>
+          </p:cNvPr>
+          <p:cNvSpPr>
+            <a:spLocks noGrp="1"/>
+          </p:cNvSpPr>
+          <p:nvPr>
+            <p:ph type="title"/>
+          </p:nvPr>
+        </p:nvSpPr>
+        <p:spPr/>
+        <p:txBody>
+          <a:bodyPr/>
+          <a:lstStyle/>
+          <a:p>
+            <a:r>
+              <a:rPr lang="zh-CN" altLang="en-US" dirty="0"/>
+              <a:t>文件下载功能</a:t>
+            </a:r>
+          </a:p>
+        </p:txBody>
+      </p:sp>
+      <p:sp>
+        <p:nvSpPr>
+          <p:cNvPr id="4" name="立方体 3">
+            <a:extLst>
+              <a:ext uri="{FF2B5EF4-FFF2-40B4-BE49-F238E27FC236}">
+                <a16:creationId xmlns:a16="http://schemas.microsoft.com/office/drawing/2014/main" id="{800F1BA2-605D-4412-9C11-185EA6204A72}"/>
+              </a:ext>
+            </a:extLst>
+          </p:cNvPr>
+          <p:cNvSpPr/>
+          <p:nvPr/>
+        </p:nvSpPr>
+        <p:spPr>
+          <a:xfrm flipH="1">
+            <a:off x="744558" y="3461906"/>
+            <a:ext cx="2391585" cy="2737474"/>
+          </a:xfrm>
+          <a:prstGeom prst="cube">
+            <a:avLst>
+              <a:gd name="adj" fmla="val 25372"/>
+            </a:avLst>
+          </a:prstGeom>
+        </p:spPr>
+        <p:style>
+          <a:lnRef idx="2">
+            <a:schemeClr val="dk1"/>
+          </a:lnRef>
+          <a:fillRef idx="1">
+            <a:schemeClr val="lt1"/>
+          </a:fillRef>
+          <a:effectRef idx="0">
+            <a:schemeClr val="dk1"/>
+          </a:effectRef>
+          <a:fontRef idx="minor">
+            <a:schemeClr val="dk1"/>
+          </a:fontRef>
+        </p:style>
+        <p:txBody>
+          <a:bodyPr vert="horz" rtlCol="0" anchor="ctr"/>
+          <a:lstStyle/>
+          <a:p>
+            <a:pPr algn="ctr"/>
+            <a:r>
+              <a:rPr lang="zh-CN" altLang="en-US" dirty="0"/>
+              <a:t>主机文件系统</a:t>
+            </a:r>
+          </a:p>
+        </p:txBody>
+      </p:sp>
+      <p:sp>
+        <p:nvSpPr>
+          <p:cNvPr id="6" name="立方体 5">
+            <a:extLst>
+              <a:ext uri="{FF2B5EF4-FFF2-40B4-BE49-F238E27FC236}">
+                <a16:creationId xmlns:a16="http://schemas.microsoft.com/office/drawing/2014/main" id="{65F8627D-B386-4D3B-868C-4060CB94423C}"/>
+              </a:ext>
+            </a:extLst>
+          </p:cNvPr>
+          <p:cNvSpPr/>
+          <p:nvPr/>
+        </p:nvSpPr>
+        <p:spPr>
+          <a:xfrm flipH="1">
+            <a:off x="4228632" y="3461906"/>
+            <a:ext cx="986319" cy="2737474"/>
+          </a:xfrm>
+          <a:prstGeom prst="cube">
+            <a:avLst>
+              <a:gd name="adj" fmla="val 61458"/>
+            </a:avLst>
+          </a:prstGeom>
+        </p:spPr>
+        <p:style>
+          <a:lnRef idx="2">
+            <a:schemeClr val="dk1"/>
+          </a:lnRef>
+          <a:fillRef idx="1">
+            <a:schemeClr val="lt1"/>
+          </a:fillRef>
+          <a:effectRef idx="0">
+            <a:schemeClr val="dk1"/>
+          </a:effectRef>
+          <a:fontRef idx="minor">
+            <a:schemeClr val="dk1"/>
+          </a:fontRef>
+        </p:style>
+        <p:txBody>
+          <a:bodyPr vert="eaVert" rtlCol="0" anchor="ctr"/>
+          <a:lstStyle/>
+          <a:p>
+            <a:pPr algn="ctr"/>
+            <a:r>
+              <a:rPr lang="zh-CN" altLang="en-US" dirty="0"/>
+              <a:t>文件读取中间件</a:t>
+            </a:r>
+          </a:p>
+        </p:txBody>
+      </p:sp>
+      <p:sp>
+        <p:nvSpPr>
+          <p:cNvPr id="7" name="立方体 6">
+            <a:extLst>
+              <a:ext uri="{FF2B5EF4-FFF2-40B4-BE49-F238E27FC236}">
+                <a16:creationId xmlns:a16="http://schemas.microsoft.com/office/drawing/2014/main" id="{5CCD5DEB-257E-43D9-90D9-EDF033B33FAB}"/>
+              </a:ext>
+            </a:extLst>
+          </p:cNvPr>
+          <p:cNvSpPr/>
+          <p:nvPr/>
+        </p:nvSpPr>
+        <p:spPr>
+          <a:xfrm flipH="1">
+            <a:off x="6305179" y="3461906"/>
+            <a:ext cx="986319" cy="2737474"/>
+          </a:xfrm>
+          <a:prstGeom prst="cube">
+            <a:avLst>
+              <a:gd name="adj" fmla="val 61458"/>
+            </a:avLst>
+          </a:prstGeom>
+        </p:spPr>
+        <p:style>
+          <a:lnRef idx="2">
+            <a:schemeClr val="dk1"/>
+          </a:lnRef>
+          <a:fillRef idx="1">
+            <a:schemeClr val="lt1"/>
+          </a:fillRef>
+          <a:effectRef idx="0">
+            <a:schemeClr val="dk1"/>
+          </a:effectRef>
+          <a:fontRef idx="minor">
+            <a:schemeClr val="dk1"/>
+          </a:fontRef>
+        </p:style>
+        <p:txBody>
+          <a:bodyPr vert="eaVert" rtlCol="0" anchor="ctr"/>
+          <a:lstStyle/>
+          <a:p>
+            <a:pPr algn="ctr"/>
+            <a:r>
+              <a:rPr lang="zh-CN" altLang="en-US" dirty="0"/>
+              <a:t>哈希中间件</a:t>
+            </a:r>
+          </a:p>
+        </p:txBody>
+      </p:sp>
+      <p:sp>
+        <p:nvSpPr>
+          <p:cNvPr id="8" name="箭头: 右 7">
+            <a:extLst>
+              <a:ext uri="{FF2B5EF4-FFF2-40B4-BE49-F238E27FC236}">
+                <a16:creationId xmlns:a16="http://schemas.microsoft.com/office/drawing/2014/main" id="{17C007D5-F85C-4547-8632-341C8F09B44D}"/>
+              </a:ext>
+            </a:extLst>
+          </p:cNvPr>
+          <p:cNvSpPr/>
+          <p:nvPr/>
+        </p:nvSpPr>
+        <p:spPr>
+          <a:xfrm>
+            <a:off x="3136143" y="4136351"/>
+            <a:ext cx="1356190" cy="1202076"/>
+          </a:xfrm>
+          <a:prstGeom prst="rightArrow">
+            <a:avLst/>
+          </a:prstGeom>
+        </p:spPr>
+        <p:style>
+          <a:lnRef idx="2">
+            <a:schemeClr val="dk1"/>
+          </a:lnRef>
+          <a:fillRef idx="1">
+            <a:schemeClr val="lt1"/>
+          </a:fillRef>
+          <a:effectRef idx="0">
+            <a:schemeClr val="dk1"/>
+          </a:effectRef>
+          <a:fontRef idx="minor">
+            <a:schemeClr val="dk1"/>
+          </a:fontRef>
+        </p:style>
+        <p:txBody>
+          <a:bodyPr rtlCol="0" anchor="ctr"/>
+          <a:lstStyle/>
+          <a:p>
+            <a:pPr algn="ctr"/>
+            <a:r>
+              <a:rPr lang="zh-CN" altLang="en-US" dirty="0"/>
+              <a:t>流读取</a:t>
+            </a:r>
+          </a:p>
+        </p:txBody>
+      </p:sp>
+      <p:sp>
+        <p:nvSpPr>
+          <p:cNvPr id="9" name="箭头: 右 8">
+            <a:extLst>
+              <a:ext uri="{FF2B5EF4-FFF2-40B4-BE49-F238E27FC236}">
+                <a16:creationId xmlns:a16="http://schemas.microsoft.com/office/drawing/2014/main" id="{EE59AC51-B3B8-483B-92E5-9EE804AD392E}"/>
+              </a:ext>
+            </a:extLst>
+          </p:cNvPr>
+          <p:cNvSpPr/>
+          <p:nvPr/>
+        </p:nvSpPr>
+        <p:spPr>
+          <a:xfrm>
+            <a:off x="5214951" y="4136351"/>
+            <a:ext cx="1356190" cy="1202076"/>
+          </a:xfrm>
+          <a:prstGeom prst="rightArrow">
+            <a:avLst/>
+          </a:prstGeom>
+        </p:spPr>
+        <p:style>
+          <a:lnRef idx="2">
+            <a:schemeClr val="dk1"/>
+          </a:lnRef>
+          <a:fillRef idx="1">
+            <a:schemeClr val="lt1"/>
+          </a:fillRef>
+          <a:effectRef idx="0">
+            <a:schemeClr val="dk1"/>
+          </a:effectRef>
+          <a:fontRef idx="minor">
+            <a:schemeClr val="dk1"/>
+          </a:fontRef>
+        </p:style>
+        <p:txBody>
+          <a:bodyPr rtlCol="0" anchor="ctr"/>
+          <a:lstStyle/>
+          <a:p>
+            <a:pPr algn="ctr"/>
+            <a:r>
+              <a:rPr lang="zh-CN" altLang="en-US" dirty="0"/>
+              <a:t>文件流</a:t>
+            </a:r>
+          </a:p>
+        </p:txBody>
+      </p:sp>
+      <p:sp>
+        <p:nvSpPr>
+          <p:cNvPr id="10" name="箭头: 右 9">
+            <a:extLst>
+              <a:ext uri="{FF2B5EF4-FFF2-40B4-BE49-F238E27FC236}">
+                <a16:creationId xmlns:a16="http://schemas.microsoft.com/office/drawing/2014/main" id="{C9FC7DA2-F09F-47BC-A04E-46E78DBA9377}"/>
+              </a:ext>
+            </a:extLst>
+          </p:cNvPr>
+          <p:cNvSpPr/>
+          <p:nvPr/>
+        </p:nvSpPr>
+        <p:spPr>
+          <a:xfrm>
+            <a:off x="7291497" y="4229605"/>
+            <a:ext cx="1716597" cy="1202076"/>
+          </a:xfrm>
+          <a:prstGeom prst="rightArrow">
+            <a:avLst/>
+          </a:prstGeom>
+        </p:spPr>
+        <p:style>
+          <a:lnRef idx="2">
+            <a:schemeClr val="dk1"/>
+          </a:lnRef>
+          <a:fillRef idx="1">
+            <a:schemeClr val="lt1"/>
+          </a:fillRef>
+          <a:effectRef idx="0">
+            <a:schemeClr val="dk1"/>
+          </a:effectRef>
+          <a:fontRef idx="minor">
+            <a:schemeClr val="dk1"/>
+          </a:fontRef>
+        </p:style>
+        <p:txBody>
+          <a:bodyPr rtlCol="0" anchor="ctr"/>
+          <a:lstStyle/>
+          <a:p>
+            <a:pPr algn="ctr"/>
+            <a:r>
+              <a:rPr lang="zh-CN" altLang="en-US" dirty="0"/>
+              <a:t>下载文件流</a:t>
+            </a:r>
+          </a:p>
+        </p:txBody>
+      </p:sp>
+      <p:sp>
+        <p:nvSpPr>
+          <p:cNvPr id="15" name="圆柱体 14">
+            <a:extLst>
+              <a:ext uri="{FF2B5EF4-FFF2-40B4-BE49-F238E27FC236}">
+                <a16:creationId xmlns:a16="http://schemas.microsoft.com/office/drawing/2014/main" id="{040053F4-70AA-4146-B895-1988151DB4D5}"/>
+              </a:ext>
+            </a:extLst>
+          </p:cNvPr>
+          <p:cNvSpPr/>
+          <p:nvPr/>
+        </p:nvSpPr>
+        <p:spPr>
+          <a:xfrm>
+            <a:off x="4843944" y="1559947"/>
+            <a:ext cx="4164150" cy="795871"/>
+          </a:xfrm>
+          <a:prstGeom prst="can">
+            <a:avLst/>
+          </a:prstGeom>
+        </p:spPr>
+        <p:style>
+          <a:lnRef idx="2">
+            <a:schemeClr val="dk1"/>
+          </a:lnRef>
+          <a:fillRef idx="1">
+            <a:schemeClr val="lt1"/>
+          </a:fillRef>
+          <a:effectRef idx="0">
+            <a:schemeClr val="dk1"/>
+          </a:effectRef>
+          <a:fontRef idx="minor">
+            <a:schemeClr val="dk1"/>
+          </a:fontRef>
+        </p:style>
+        <p:txBody>
+          <a:bodyPr rtlCol="0" anchor="ctr"/>
+          <a:lstStyle/>
+          <a:p>
+            <a:pPr algn="ctr"/>
+            <a:r>
+              <a:rPr lang="en-US" altLang="zh-CN" dirty="0" err="1"/>
+              <a:t>Pika</a:t>
+            </a:r>
+            <a:r>
+              <a:rPr lang="zh-CN" altLang="en-US" dirty="0"/>
+              <a:t>数据库</a:t>
+            </a:r>
+          </a:p>
+        </p:txBody>
+      </p:sp>
+    </p:spTree>
+    <p:extLst>
+      <p:ext uri="{BB962C8B-B14F-4D97-AF65-F5344CB8AC3E}">
+        <p14:creationId xmlns:p14="http://schemas.microsoft.com/office/powerpoint/2010/main" val="3965042719"/>
+      </p:ext>
+    </p:extLst>
+  </p:cSld>
+  <p:clrMapOvr>
+    <a:masterClrMapping/>
+  </p:clrMapOvr>
+</p:sld>
+</file>
+
 <file path=ppt/slides/slide2.xml><?xml version="1.0" encoding="utf-8"?>
 <p:sld xmlns:a="http://schemas.openxmlformats.org/drawingml/2006/main" xmlns:r="http://schemas.openxmlformats.org/officeDocument/2006/relationships" xmlns:p="http://schemas.openxmlformats.org/presentationml/2006/main">
   <p:cSld>
@@ -3822,7 +4375,7 @@
           <a:p>
             <a:r>
               <a:rPr lang="zh-CN" altLang="en-US" dirty="0"/>
-              <a:t>结构</a:t>
+              <a:t>架构</a:t>
             </a:r>
           </a:p>
         </p:txBody>
@@ -3905,7 +4458,7 @@
           <a:p>
             <a:r>
               <a:rPr lang="zh-CN" altLang="en-US" dirty="0"/>
-              <a:t>基本结构</a:t>
+              <a:t>基本架构</a:t>
             </a:r>
           </a:p>
         </p:txBody>
@@ -4075,7 +4628,7 @@
               <a:pPr algn="ctr"/>
               <a:r>
                 <a:rPr lang="en-US" altLang="zh-CN" dirty="0"/>
-                <a:t>Node</a:t>
+                <a:t>Node.js</a:t>
               </a:r>
               <a:endParaRPr lang="zh-CN" altLang="en-US" dirty="0"/>
             </a:p>
@@ -4775,7 +5328,7 @@
           <a:p>
             <a:r>
               <a:rPr lang="zh-CN" altLang="en-US" dirty="0"/>
-              <a:t>集群结构</a:t>
+              <a:t>集群架构</a:t>
             </a:r>
           </a:p>
         </p:txBody>
@@ -6349,6 +6902,1281 @@
     <p:extLst>
       <p:ext uri="{BB962C8B-B14F-4D97-AF65-F5344CB8AC3E}">
         <p14:creationId xmlns:p14="http://schemas.microsoft.com/office/powerpoint/2010/main" val="649366728"/>
+      </p:ext>
+    </p:extLst>
+  </p:cSld>
+  <p:clrMapOvr>
+    <a:masterClrMapping/>
+  </p:clrMapOvr>
+</p:sld>
+</file>
+
+<file path=ppt/slides/slide7.xml><?xml version="1.0" encoding="utf-8"?>
+<p:sld xmlns:a="http://schemas.openxmlformats.org/drawingml/2006/main" xmlns:r="http://schemas.openxmlformats.org/officeDocument/2006/relationships" xmlns:p="http://schemas.openxmlformats.org/presentationml/2006/main">
+  <p:cSld>
+    <p:spTree>
+      <p:nvGrpSpPr>
+        <p:cNvPr id="1" name=""/>
+        <p:cNvGrpSpPr/>
+        <p:nvPr/>
+      </p:nvGrpSpPr>
+      <p:grpSpPr>
+        <a:xfrm>
+          <a:off x="0" y="0"/>
+          <a:ext cx="0" cy="0"/>
+          <a:chOff x="0" y="0"/>
+          <a:chExt cx="0" cy="0"/>
+        </a:xfrm>
+      </p:grpSpPr>
+      <p:sp>
+        <p:nvSpPr>
+          <p:cNvPr id="2" name="标题 1">
+            <a:extLst>
+              <a:ext uri="{FF2B5EF4-FFF2-40B4-BE49-F238E27FC236}">
+                <a16:creationId xmlns:a16="http://schemas.microsoft.com/office/drawing/2014/main" id="{9694344C-A7FD-4578-B46E-DF8BFFAF2DBF}"/>
+              </a:ext>
+            </a:extLst>
+          </p:cNvPr>
+          <p:cNvSpPr>
+            <a:spLocks noGrp="1"/>
+          </p:cNvSpPr>
+          <p:nvPr>
+            <p:ph type="title"/>
+          </p:nvPr>
+        </p:nvSpPr>
+        <p:spPr/>
+        <p:txBody>
+          <a:bodyPr/>
+          <a:lstStyle/>
+          <a:p>
+            <a:r>
+              <a:rPr lang="zh-CN" altLang="en-US" dirty="0"/>
+              <a:t>应用结构</a:t>
+            </a:r>
+          </a:p>
+        </p:txBody>
+      </p:sp>
+      <p:sp>
+        <p:nvSpPr>
+          <p:cNvPr id="3" name="文本占位符 2">
+            <a:extLst>
+              <a:ext uri="{FF2B5EF4-FFF2-40B4-BE49-F238E27FC236}">
+                <a16:creationId xmlns:a16="http://schemas.microsoft.com/office/drawing/2014/main" id="{14E1B14D-7B00-4CC4-A5D7-9CC3A052F1C8}"/>
+              </a:ext>
+            </a:extLst>
+          </p:cNvPr>
+          <p:cNvSpPr>
+            <a:spLocks noGrp="1"/>
+          </p:cNvSpPr>
+          <p:nvPr>
+            <p:ph type="body" idx="1"/>
+          </p:nvPr>
+        </p:nvSpPr>
+        <p:spPr/>
+        <p:txBody>
+          <a:bodyPr/>
+          <a:lstStyle/>
+          <a:p>
+            <a:endParaRPr lang="zh-CN" altLang="en-US"/>
+          </a:p>
+        </p:txBody>
+      </p:sp>
+    </p:spTree>
+    <p:extLst>
+      <p:ext uri="{BB962C8B-B14F-4D97-AF65-F5344CB8AC3E}">
+        <p14:creationId xmlns:p14="http://schemas.microsoft.com/office/powerpoint/2010/main" val="792773141"/>
+      </p:ext>
+    </p:extLst>
+  </p:cSld>
+  <p:clrMapOvr>
+    <a:masterClrMapping/>
+  </p:clrMapOvr>
+</p:sld>
+</file>
+
+<file path=ppt/slides/slide8.xml><?xml version="1.0" encoding="utf-8"?>
+<p:sld xmlns:a="http://schemas.openxmlformats.org/drawingml/2006/main" xmlns:r="http://schemas.openxmlformats.org/officeDocument/2006/relationships" xmlns:p="http://schemas.openxmlformats.org/presentationml/2006/main">
+  <p:cSld>
+    <p:spTree>
+      <p:nvGrpSpPr>
+        <p:cNvPr id="1" name=""/>
+        <p:cNvGrpSpPr/>
+        <p:nvPr/>
+      </p:nvGrpSpPr>
+      <p:grpSpPr>
+        <a:xfrm>
+          <a:off x="0" y="0"/>
+          <a:ext cx="0" cy="0"/>
+          <a:chOff x="0" y="0"/>
+          <a:chExt cx="0" cy="0"/>
+        </a:xfrm>
+      </p:grpSpPr>
+      <p:sp>
+        <p:nvSpPr>
+          <p:cNvPr id="2" name="标题 1">
+            <a:extLst>
+              <a:ext uri="{FF2B5EF4-FFF2-40B4-BE49-F238E27FC236}">
+                <a16:creationId xmlns:a16="http://schemas.microsoft.com/office/drawing/2014/main" id="{FCE5E2F3-6F16-4BFB-9A6A-2DD912F69683}"/>
+              </a:ext>
+            </a:extLst>
+          </p:cNvPr>
+          <p:cNvSpPr>
+            <a:spLocks noGrp="1"/>
+          </p:cNvSpPr>
+          <p:nvPr>
+            <p:ph type="title"/>
+          </p:nvPr>
+        </p:nvSpPr>
+        <p:spPr/>
+        <p:txBody>
+          <a:bodyPr/>
+          <a:lstStyle/>
+          <a:p>
+            <a:r>
+              <a:rPr lang="zh-CN" altLang="en-US" dirty="0"/>
+              <a:t>总体结构</a:t>
+            </a:r>
+          </a:p>
+        </p:txBody>
+      </p:sp>
+      <p:grpSp>
+        <p:nvGrpSpPr>
+          <p:cNvPr id="18" name="组合 17">
+            <a:extLst>
+              <a:ext uri="{FF2B5EF4-FFF2-40B4-BE49-F238E27FC236}">
+                <a16:creationId xmlns:a16="http://schemas.microsoft.com/office/drawing/2014/main" id="{81BBF54B-D733-464A-956B-352B9AAF9E70}"/>
+              </a:ext>
+            </a:extLst>
+          </p:cNvPr>
+          <p:cNvGrpSpPr/>
+          <p:nvPr/>
+        </p:nvGrpSpPr>
+        <p:grpSpPr>
+          <a:xfrm>
+            <a:off x="2726230" y="1445670"/>
+            <a:ext cx="6739539" cy="3966659"/>
+            <a:chOff x="1517613" y="1445670"/>
+            <a:chExt cx="6739539" cy="3966659"/>
+          </a:xfrm>
+        </p:grpSpPr>
+        <p:sp>
+          <p:nvSpPr>
+            <p:cNvPr id="4" name="矩形 3">
+              <a:extLst>
+                <a:ext uri="{FF2B5EF4-FFF2-40B4-BE49-F238E27FC236}">
+                  <a16:creationId xmlns:a16="http://schemas.microsoft.com/office/drawing/2014/main" id="{1205B3AE-3DA2-467A-9FA8-612A044EB98F}"/>
+                </a:ext>
+              </a:extLst>
+            </p:cNvPr>
+            <p:cNvSpPr/>
+            <p:nvPr/>
+          </p:nvSpPr>
+          <p:spPr>
+            <a:xfrm>
+              <a:off x="5839918" y="3050109"/>
+              <a:ext cx="2417234" cy="778942"/>
+            </a:xfrm>
+            <a:prstGeom prst="rect">
+              <a:avLst/>
+            </a:prstGeom>
+          </p:spPr>
+          <p:style>
+            <a:lnRef idx="2">
+              <a:schemeClr val="dk1"/>
+            </a:lnRef>
+            <a:fillRef idx="1">
+              <a:schemeClr val="lt1"/>
+            </a:fillRef>
+            <a:effectRef idx="0">
+              <a:schemeClr val="dk1"/>
+            </a:effectRef>
+            <a:fontRef idx="minor">
+              <a:schemeClr val="dk1"/>
+            </a:fontRef>
+          </p:style>
+          <p:txBody>
+            <a:bodyPr rtlCol="0" anchor="ctr"/>
+            <a:lstStyle/>
+            <a:p>
+              <a:pPr algn="ctr"/>
+              <a:r>
+                <a:rPr lang="en-US" altLang="zh-CN" dirty="0"/>
+                <a:t>Node.js</a:t>
+              </a:r>
+              <a:endParaRPr lang="zh-CN" altLang="en-US" dirty="0"/>
+            </a:p>
+          </p:txBody>
+        </p:sp>
+        <p:sp>
+          <p:nvSpPr>
+            <p:cNvPr id="5" name="箭头: 上下 4">
+              <a:extLst>
+                <a:ext uri="{FF2B5EF4-FFF2-40B4-BE49-F238E27FC236}">
+                  <a16:creationId xmlns:a16="http://schemas.microsoft.com/office/drawing/2014/main" id="{945A2999-EE01-4E87-B4A2-9D6D0479608E}"/>
+                </a:ext>
+              </a:extLst>
+            </p:cNvPr>
+            <p:cNvSpPr/>
+            <p:nvPr/>
+          </p:nvSpPr>
+          <p:spPr>
+            <a:xfrm>
+              <a:off x="6314051" y="3837515"/>
+              <a:ext cx="1468967" cy="795871"/>
+            </a:xfrm>
+            <a:prstGeom prst="upDownArrow">
+              <a:avLst>
+                <a:gd name="adj1" fmla="val 59215"/>
+                <a:gd name="adj2" fmla="val 31914"/>
+              </a:avLst>
+            </a:prstGeom>
+          </p:spPr>
+          <p:style>
+            <a:lnRef idx="2">
+              <a:schemeClr val="dk1"/>
+            </a:lnRef>
+            <a:fillRef idx="1">
+              <a:schemeClr val="lt1"/>
+            </a:fillRef>
+            <a:effectRef idx="0">
+              <a:schemeClr val="dk1"/>
+            </a:effectRef>
+            <a:fontRef idx="minor">
+              <a:schemeClr val="dk1"/>
+            </a:fontRef>
+          </p:style>
+          <p:txBody>
+            <a:bodyPr rtlCol="0" anchor="ctr"/>
+            <a:lstStyle/>
+            <a:p>
+              <a:pPr algn="ctr"/>
+              <a:r>
+                <a:rPr lang="zh-CN" altLang="en-US" dirty="0"/>
+                <a:t>文件</a:t>
+              </a:r>
+              <a:endParaRPr lang="en-US" altLang="zh-CN" dirty="0"/>
+            </a:p>
+            <a:p>
+              <a:pPr algn="ctr"/>
+              <a:r>
+                <a:rPr lang="zh-CN" altLang="en-US" dirty="0"/>
+                <a:t>读写</a:t>
+              </a:r>
+            </a:p>
+          </p:txBody>
+        </p:sp>
+        <p:sp>
+          <p:nvSpPr>
+            <p:cNvPr id="6" name="矩形 5">
+              <a:extLst>
+                <a:ext uri="{FF2B5EF4-FFF2-40B4-BE49-F238E27FC236}">
+                  <a16:creationId xmlns:a16="http://schemas.microsoft.com/office/drawing/2014/main" id="{C3CD019B-BFA6-4817-A478-AEF0AAB418EC}"/>
+                </a:ext>
+              </a:extLst>
+            </p:cNvPr>
+            <p:cNvSpPr/>
+            <p:nvPr/>
+          </p:nvSpPr>
+          <p:spPr>
+            <a:xfrm>
+              <a:off x="5839917" y="4633386"/>
+              <a:ext cx="2417234" cy="778943"/>
+            </a:xfrm>
+            <a:prstGeom prst="rect">
+              <a:avLst/>
+            </a:prstGeom>
+          </p:spPr>
+          <p:style>
+            <a:lnRef idx="2">
+              <a:schemeClr val="dk1"/>
+            </a:lnRef>
+            <a:fillRef idx="1">
+              <a:schemeClr val="lt1"/>
+            </a:fillRef>
+            <a:effectRef idx="0">
+              <a:schemeClr val="dk1"/>
+            </a:effectRef>
+            <a:fontRef idx="minor">
+              <a:schemeClr val="dk1"/>
+            </a:fontRef>
+          </p:style>
+          <p:txBody>
+            <a:bodyPr rtlCol="0" anchor="ctr"/>
+            <a:lstStyle/>
+            <a:p>
+              <a:pPr algn="ctr"/>
+              <a:r>
+                <a:rPr lang="en-US" altLang="zh-CN" dirty="0" err="1"/>
+                <a:t>GlusterFS</a:t>
+              </a:r>
+              <a:endParaRPr lang="zh-CN" altLang="en-US" dirty="0"/>
+            </a:p>
+          </p:txBody>
+        </p:sp>
+        <p:cxnSp>
+          <p:nvCxnSpPr>
+            <p:cNvPr id="7" name="直接箭头连接符 6">
+              <a:extLst>
+                <a:ext uri="{FF2B5EF4-FFF2-40B4-BE49-F238E27FC236}">
+                  <a16:creationId xmlns:a16="http://schemas.microsoft.com/office/drawing/2014/main" id="{B269D0BA-BD82-4F7E-A95E-1871AC2056EE}"/>
+                </a:ext>
+              </a:extLst>
+            </p:cNvPr>
+            <p:cNvCxnSpPr>
+              <a:cxnSpLocks/>
+              <a:stCxn id="4" idx="1"/>
+            </p:cNvCxnSpPr>
+            <p:nvPr/>
+          </p:nvCxnSpPr>
+          <p:spPr>
+            <a:xfrm flipH="1">
+              <a:off x="3934847" y="3439580"/>
+              <a:ext cx="1905071" cy="0"/>
+            </a:xfrm>
+            <a:prstGeom prst="straightConnector1">
+              <a:avLst/>
+            </a:prstGeom>
+            <a:ln w="57150">
+              <a:headEnd type="triangle" w="med" len="med"/>
+              <a:tailEnd type="triangle" w="med" len="med"/>
+            </a:ln>
+          </p:spPr>
+          <p:style>
+            <a:lnRef idx="3">
+              <a:schemeClr val="dk1"/>
+            </a:lnRef>
+            <a:fillRef idx="0">
+              <a:schemeClr val="dk1"/>
+            </a:fillRef>
+            <a:effectRef idx="2">
+              <a:schemeClr val="dk1"/>
+            </a:effectRef>
+            <a:fontRef idx="minor">
+              <a:schemeClr val="tx1"/>
+            </a:fontRef>
+          </p:style>
+        </p:cxnSp>
+        <p:sp>
+          <p:nvSpPr>
+            <p:cNvPr id="10" name="文本框 9">
+              <a:extLst>
+                <a:ext uri="{FF2B5EF4-FFF2-40B4-BE49-F238E27FC236}">
+                  <a16:creationId xmlns:a16="http://schemas.microsoft.com/office/drawing/2014/main" id="{5C3C3A61-ED5C-494E-A90C-BF6D25B33E27}"/>
+                </a:ext>
+              </a:extLst>
+            </p:cNvPr>
+            <p:cNvSpPr txBox="1"/>
+            <p:nvPr/>
+          </p:nvSpPr>
+          <p:spPr>
+            <a:xfrm>
+              <a:off x="4059271" y="3050109"/>
+              <a:ext cx="1656223" cy="369332"/>
+            </a:xfrm>
+            <a:prstGeom prst="rect">
+              <a:avLst/>
+            </a:prstGeom>
+            <a:noFill/>
+          </p:spPr>
+          <p:txBody>
+            <a:bodyPr wrap="none" rtlCol="0">
+              <a:spAutoFit/>
+            </a:bodyPr>
+            <a:lstStyle/>
+            <a:p>
+              <a:r>
+                <a:rPr lang="zh-CN" altLang="en-US" dirty="0"/>
+                <a:t>文件上传</a:t>
+              </a:r>
+              <a:r>
+                <a:rPr lang="en-US" altLang="zh-CN" dirty="0"/>
+                <a:t>/</a:t>
+              </a:r>
+              <a:r>
+                <a:rPr lang="zh-CN" altLang="en-US" dirty="0"/>
+                <a:t>下载</a:t>
+              </a:r>
+            </a:p>
+          </p:txBody>
+        </p:sp>
+        <p:sp>
+          <p:nvSpPr>
+            <p:cNvPr id="14" name="箭头: 上下 13">
+              <a:extLst>
+                <a:ext uri="{FF2B5EF4-FFF2-40B4-BE49-F238E27FC236}">
+                  <a16:creationId xmlns:a16="http://schemas.microsoft.com/office/drawing/2014/main" id="{9EC289F1-E1F5-4F47-8DA7-F1CC6ED8B520}"/>
+                </a:ext>
+              </a:extLst>
+            </p:cNvPr>
+            <p:cNvSpPr/>
+            <p:nvPr/>
+          </p:nvSpPr>
+          <p:spPr>
+            <a:xfrm>
+              <a:off x="6314051" y="2241541"/>
+              <a:ext cx="1468967" cy="795871"/>
+            </a:xfrm>
+            <a:prstGeom prst="upDownArrow">
+              <a:avLst>
+                <a:gd name="adj1" fmla="val 59215"/>
+                <a:gd name="adj2" fmla="val 31914"/>
+              </a:avLst>
+            </a:prstGeom>
+          </p:spPr>
+          <p:style>
+            <a:lnRef idx="2">
+              <a:schemeClr val="dk1"/>
+            </a:lnRef>
+            <a:fillRef idx="1">
+              <a:schemeClr val="lt1"/>
+            </a:fillRef>
+            <a:effectRef idx="0">
+              <a:schemeClr val="dk1"/>
+            </a:effectRef>
+            <a:fontRef idx="minor">
+              <a:schemeClr val="dk1"/>
+            </a:fontRef>
+          </p:style>
+          <p:txBody>
+            <a:bodyPr rtlCol="0" anchor="ctr"/>
+            <a:lstStyle/>
+            <a:p>
+              <a:pPr algn="ctr"/>
+              <a:r>
+                <a:rPr lang="zh-CN" altLang="en-US" dirty="0"/>
+                <a:t>数据</a:t>
+              </a:r>
+              <a:endParaRPr lang="en-US" altLang="zh-CN" dirty="0"/>
+            </a:p>
+            <a:p>
+              <a:pPr algn="ctr"/>
+              <a:r>
+                <a:rPr lang="zh-CN" altLang="en-US" dirty="0"/>
+                <a:t>存取</a:t>
+              </a:r>
+            </a:p>
+          </p:txBody>
+        </p:sp>
+        <p:sp>
+          <p:nvSpPr>
+            <p:cNvPr id="15" name="圆柱体 14">
+              <a:extLst>
+                <a:ext uri="{FF2B5EF4-FFF2-40B4-BE49-F238E27FC236}">
+                  <a16:creationId xmlns:a16="http://schemas.microsoft.com/office/drawing/2014/main" id="{9C70BB1E-2511-4AB4-BB69-11CB54FCB2A4}"/>
+                </a:ext>
+              </a:extLst>
+            </p:cNvPr>
+            <p:cNvSpPr/>
+            <p:nvPr/>
+          </p:nvSpPr>
+          <p:spPr>
+            <a:xfrm>
+              <a:off x="5839917" y="1445670"/>
+              <a:ext cx="2417234" cy="795871"/>
+            </a:xfrm>
+            <a:prstGeom prst="can">
+              <a:avLst/>
+            </a:prstGeom>
+          </p:spPr>
+          <p:style>
+            <a:lnRef idx="2">
+              <a:schemeClr val="dk1"/>
+            </a:lnRef>
+            <a:fillRef idx="1">
+              <a:schemeClr val="lt1"/>
+            </a:fillRef>
+            <a:effectRef idx="0">
+              <a:schemeClr val="dk1"/>
+            </a:effectRef>
+            <a:fontRef idx="minor">
+              <a:schemeClr val="dk1"/>
+            </a:fontRef>
+          </p:style>
+          <p:txBody>
+            <a:bodyPr rtlCol="0" anchor="ctr"/>
+            <a:lstStyle/>
+            <a:p>
+              <a:pPr algn="ctr"/>
+              <a:r>
+                <a:rPr lang="en-US" altLang="zh-CN" dirty="0" err="1"/>
+                <a:t>Pika</a:t>
+              </a:r>
+              <a:r>
+                <a:rPr lang="zh-CN" altLang="en-US" dirty="0"/>
+                <a:t>数据库</a:t>
+              </a:r>
+            </a:p>
+          </p:txBody>
+        </p:sp>
+        <p:sp>
+          <p:nvSpPr>
+            <p:cNvPr id="17" name="矩形 16">
+              <a:extLst>
+                <a:ext uri="{FF2B5EF4-FFF2-40B4-BE49-F238E27FC236}">
+                  <a16:creationId xmlns:a16="http://schemas.microsoft.com/office/drawing/2014/main" id="{7BF25882-70C9-4BF8-B7AF-08F199B12967}"/>
+                </a:ext>
+              </a:extLst>
+            </p:cNvPr>
+            <p:cNvSpPr/>
+            <p:nvPr/>
+          </p:nvSpPr>
+          <p:spPr>
+            <a:xfrm>
+              <a:off x="1517613" y="3029970"/>
+              <a:ext cx="2417234" cy="778942"/>
+            </a:xfrm>
+            <a:prstGeom prst="rect">
+              <a:avLst/>
+            </a:prstGeom>
+          </p:spPr>
+          <p:style>
+            <a:lnRef idx="2">
+              <a:schemeClr val="dk1"/>
+            </a:lnRef>
+            <a:fillRef idx="1">
+              <a:schemeClr val="lt1"/>
+            </a:fillRef>
+            <a:effectRef idx="0">
+              <a:schemeClr val="dk1"/>
+            </a:effectRef>
+            <a:fontRef idx="minor">
+              <a:schemeClr val="dk1"/>
+            </a:fontRef>
+          </p:style>
+          <p:txBody>
+            <a:bodyPr rtlCol="0" anchor="ctr"/>
+            <a:lstStyle/>
+            <a:p>
+              <a:pPr algn="ctr"/>
+              <a:r>
+                <a:rPr lang="zh-CN" altLang="en-US" dirty="0"/>
+                <a:t>用户</a:t>
+              </a:r>
+            </a:p>
+          </p:txBody>
+        </p:sp>
+      </p:grpSp>
+    </p:spTree>
+    <p:extLst>
+      <p:ext uri="{BB962C8B-B14F-4D97-AF65-F5344CB8AC3E}">
+        <p14:creationId xmlns:p14="http://schemas.microsoft.com/office/powerpoint/2010/main" val="2421530957"/>
+      </p:ext>
+    </p:extLst>
+  </p:cSld>
+  <p:clrMapOvr>
+    <a:masterClrMapping/>
+  </p:clrMapOvr>
+</p:sld>
+</file>
+
+<file path=ppt/slides/slide9.xml><?xml version="1.0" encoding="utf-8"?>
+<p:sld xmlns:a="http://schemas.openxmlformats.org/drawingml/2006/main" xmlns:r="http://schemas.openxmlformats.org/officeDocument/2006/relationships" xmlns:p="http://schemas.openxmlformats.org/presentationml/2006/main">
+  <p:cSld>
+    <p:spTree>
+      <p:nvGrpSpPr>
+        <p:cNvPr id="1" name=""/>
+        <p:cNvGrpSpPr/>
+        <p:nvPr/>
+      </p:nvGrpSpPr>
+      <p:grpSpPr>
+        <a:xfrm>
+          <a:off x="0" y="0"/>
+          <a:ext cx="0" cy="0"/>
+          <a:chOff x="0" y="0"/>
+          <a:chExt cx="0" cy="0"/>
+        </a:xfrm>
+      </p:grpSpPr>
+      <p:sp>
+        <p:nvSpPr>
+          <p:cNvPr id="25" name="立方体 24">
+            <a:extLst>
+              <a:ext uri="{FF2B5EF4-FFF2-40B4-BE49-F238E27FC236}">
+                <a16:creationId xmlns:a16="http://schemas.microsoft.com/office/drawing/2014/main" id="{8AC7B11A-EDA8-4A28-B909-11B5DD4668B7}"/>
+              </a:ext>
+            </a:extLst>
+          </p:cNvPr>
+          <p:cNvSpPr/>
+          <p:nvPr/>
+        </p:nvSpPr>
+        <p:spPr>
+          <a:xfrm flipH="1">
+            <a:off x="8911437" y="3541505"/>
+            <a:ext cx="2391585" cy="2737474"/>
+          </a:xfrm>
+          <a:prstGeom prst="cube">
+            <a:avLst>
+              <a:gd name="adj" fmla="val 25372"/>
+            </a:avLst>
+          </a:prstGeom>
+        </p:spPr>
+        <p:style>
+          <a:lnRef idx="2">
+            <a:schemeClr val="dk1"/>
+          </a:lnRef>
+          <a:fillRef idx="1">
+            <a:schemeClr val="lt1"/>
+          </a:fillRef>
+          <a:effectRef idx="0">
+            <a:schemeClr val="dk1"/>
+          </a:effectRef>
+          <a:fontRef idx="minor">
+            <a:schemeClr val="dk1"/>
+          </a:fontRef>
+        </p:style>
+        <p:txBody>
+          <a:bodyPr vert="horz" rtlCol="0" anchor="ctr"/>
+          <a:lstStyle/>
+          <a:p>
+            <a:pPr algn="ctr"/>
+            <a:r>
+              <a:rPr lang="zh-CN" altLang="en-US" dirty="0"/>
+              <a:t>主机文件系统</a:t>
+            </a:r>
+          </a:p>
+        </p:txBody>
+      </p:sp>
+      <p:sp>
+        <p:nvSpPr>
+          <p:cNvPr id="21" name="箭头: 圆角右 20">
+            <a:extLst>
+              <a:ext uri="{FF2B5EF4-FFF2-40B4-BE49-F238E27FC236}">
+                <a16:creationId xmlns:a16="http://schemas.microsoft.com/office/drawing/2014/main" id="{8FEE84E7-B252-4D44-AFFF-A443B73A5E7A}"/>
+              </a:ext>
+            </a:extLst>
+          </p:cNvPr>
+          <p:cNvSpPr/>
+          <p:nvPr/>
+        </p:nvSpPr>
+        <p:spPr>
+          <a:xfrm rot="5400000" flipH="1">
+            <a:off x="5727229" y="3904259"/>
+            <a:ext cx="652476" cy="631242"/>
+          </a:xfrm>
+          <a:prstGeom prst="bentArrow">
+            <a:avLst/>
+          </a:prstGeom>
+        </p:spPr>
+        <p:style>
+          <a:lnRef idx="2">
+            <a:schemeClr val="dk1"/>
+          </a:lnRef>
+          <a:fillRef idx="1">
+            <a:schemeClr val="lt1"/>
+          </a:fillRef>
+          <a:effectRef idx="0">
+            <a:schemeClr val="dk1"/>
+          </a:effectRef>
+          <a:fontRef idx="minor">
+            <a:schemeClr val="dk1"/>
+          </a:fontRef>
+        </p:style>
+        <p:txBody>
+          <a:bodyPr rtlCol="0" anchor="ctr"/>
+          <a:lstStyle/>
+          <a:p>
+            <a:pPr algn="ctr"/>
+            <a:endParaRPr lang="zh-CN" altLang="en-US">
+              <a:solidFill>
+                <a:schemeClr val="tx1"/>
+              </a:solidFill>
+            </a:endParaRPr>
+          </a:p>
+        </p:txBody>
+      </p:sp>
+      <p:sp>
+        <p:nvSpPr>
+          <p:cNvPr id="14" name="立方体 13">
+            <a:extLst>
+              <a:ext uri="{FF2B5EF4-FFF2-40B4-BE49-F238E27FC236}">
+                <a16:creationId xmlns:a16="http://schemas.microsoft.com/office/drawing/2014/main" id="{81F436BE-186D-4A58-A3C7-8BC84AC910CE}"/>
+              </a:ext>
+            </a:extLst>
+          </p:cNvPr>
+          <p:cNvSpPr/>
+          <p:nvPr/>
+        </p:nvSpPr>
+        <p:spPr>
+          <a:xfrm flipH="1">
+            <a:off x="6830335" y="3545435"/>
+            <a:ext cx="986319" cy="2737474"/>
+          </a:xfrm>
+          <a:prstGeom prst="cube">
+            <a:avLst>
+              <a:gd name="adj" fmla="val 61458"/>
+            </a:avLst>
+          </a:prstGeom>
+        </p:spPr>
+        <p:style>
+          <a:lnRef idx="2">
+            <a:schemeClr val="dk1"/>
+          </a:lnRef>
+          <a:fillRef idx="1">
+            <a:schemeClr val="lt1"/>
+          </a:fillRef>
+          <a:effectRef idx="0">
+            <a:schemeClr val="dk1"/>
+          </a:effectRef>
+          <a:fontRef idx="minor">
+            <a:schemeClr val="dk1"/>
+          </a:fontRef>
+        </p:style>
+        <p:txBody>
+          <a:bodyPr vert="eaVert" rtlCol="0" anchor="ctr"/>
+          <a:lstStyle/>
+          <a:p>
+            <a:pPr algn="ctr"/>
+            <a:r>
+              <a:rPr lang="zh-CN" altLang="en-US" dirty="0"/>
+              <a:t>文件写入中间件</a:t>
+            </a:r>
+          </a:p>
+        </p:txBody>
+      </p:sp>
+      <p:sp>
+        <p:nvSpPr>
+          <p:cNvPr id="12" name="立方体 11">
+            <a:extLst>
+              <a:ext uri="{FF2B5EF4-FFF2-40B4-BE49-F238E27FC236}">
+                <a16:creationId xmlns:a16="http://schemas.microsoft.com/office/drawing/2014/main" id="{EFC82A75-3B13-40E8-87B9-AF236DDB4BEF}"/>
+              </a:ext>
+            </a:extLst>
+          </p:cNvPr>
+          <p:cNvSpPr/>
+          <p:nvPr/>
+        </p:nvSpPr>
+        <p:spPr>
+          <a:xfrm flipH="1">
+            <a:off x="4751527" y="3545435"/>
+            <a:ext cx="986319" cy="2737474"/>
+          </a:xfrm>
+          <a:prstGeom prst="cube">
+            <a:avLst>
+              <a:gd name="adj" fmla="val 61458"/>
+            </a:avLst>
+          </a:prstGeom>
+        </p:spPr>
+        <p:style>
+          <a:lnRef idx="2">
+            <a:schemeClr val="dk1"/>
+          </a:lnRef>
+          <a:fillRef idx="1">
+            <a:schemeClr val="lt1"/>
+          </a:fillRef>
+          <a:effectRef idx="0">
+            <a:schemeClr val="dk1"/>
+          </a:effectRef>
+          <a:fontRef idx="minor">
+            <a:schemeClr val="dk1"/>
+          </a:fontRef>
+        </p:style>
+        <p:txBody>
+          <a:bodyPr vert="eaVert" rtlCol="0" anchor="ctr"/>
+          <a:lstStyle/>
+          <a:p>
+            <a:pPr algn="ctr"/>
+            <a:r>
+              <a:rPr lang="zh-CN" altLang="en-US" dirty="0"/>
+              <a:t>哈希中间件</a:t>
+            </a:r>
+          </a:p>
+        </p:txBody>
+      </p:sp>
+      <p:sp>
+        <p:nvSpPr>
+          <p:cNvPr id="2" name="标题 1">
+            <a:extLst>
+              <a:ext uri="{FF2B5EF4-FFF2-40B4-BE49-F238E27FC236}">
+                <a16:creationId xmlns:a16="http://schemas.microsoft.com/office/drawing/2014/main" id="{C327536C-9F47-4BEA-81A9-550513606B63}"/>
+              </a:ext>
+            </a:extLst>
+          </p:cNvPr>
+          <p:cNvSpPr>
+            <a:spLocks noGrp="1"/>
+          </p:cNvSpPr>
+          <p:nvPr>
+            <p:ph type="title"/>
+          </p:nvPr>
+        </p:nvSpPr>
+        <p:spPr/>
+        <p:txBody>
+          <a:bodyPr/>
+          <a:lstStyle/>
+          <a:p>
+            <a:r>
+              <a:rPr lang="zh-CN" altLang="en-US" dirty="0"/>
+              <a:t>文件上传功能</a:t>
+            </a:r>
+          </a:p>
+        </p:txBody>
+      </p:sp>
+      <p:sp>
+        <p:nvSpPr>
+          <p:cNvPr id="4" name="立方体 3">
+            <a:extLst>
+              <a:ext uri="{FF2B5EF4-FFF2-40B4-BE49-F238E27FC236}">
+                <a16:creationId xmlns:a16="http://schemas.microsoft.com/office/drawing/2014/main" id="{DD359CD2-B43E-40BB-B6B2-BF3D35F9B695}"/>
+              </a:ext>
+            </a:extLst>
+          </p:cNvPr>
+          <p:cNvSpPr/>
+          <p:nvPr/>
+        </p:nvSpPr>
+        <p:spPr>
+          <a:xfrm flipH="1">
+            <a:off x="2672719" y="3549410"/>
+            <a:ext cx="986319" cy="2737474"/>
+          </a:xfrm>
+          <a:prstGeom prst="cube">
+            <a:avLst>
+              <a:gd name="adj" fmla="val 61458"/>
+            </a:avLst>
+          </a:prstGeom>
+        </p:spPr>
+        <p:style>
+          <a:lnRef idx="2">
+            <a:schemeClr val="dk1"/>
+          </a:lnRef>
+          <a:fillRef idx="1">
+            <a:schemeClr val="lt1"/>
+          </a:fillRef>
+          <a:effectRef idx="0">
+            <a:schemeClr val="dk1"/>
+          </a:effectRef>
+          <a:fontRef idx="minor">
+            <a:schemeClr val="dk1"/>
+          </a:fontRef>
+        </p:style>
+        <p:txBody>
+          <a:bodyPr vert="eaVert" rtlCol="0" anchor="ctr"/>
+          <a:lstStyle/>
+          <a:p>
+            <a:pPr algn="ctr"/>
+            <a:r>
+              <a:rPr lang="zh-CN" altLang="en-US" dirty="0"/>
+              <a:t>秒传中间件</a:t>
+            </a:r>
+          </a:p>
+        </p:txBody>
+      </p:sp>
+      <p:sp>
+        <p:nvSpPr>
+          <p:cNvPr id="5" name="箭头: 右 4">
+            <a:extLst>
+              <a:ext uri="{FF2B5EF4-FFF2-40B4-BE49-F238E27FC236}">
+                <a16:creationId xmlns:a16="http://schemas.microsoft.com/office/drawing/2014/main" id="{DBE8BBE4-98F6-4B52-ABEF-7B510F6DE56F}"/>
+              </a:ext>
+            </a:extLst>
+          </p:cNvPr>
+          <p:cNvSpPr/>
+          <p:nvPr/>
+        </p:nvSpPr>
+        <p:spPr>
+          <a:xfrm>
+            <a:off x="1069953" y="4223855"/>
+            <a:ext cx="1890444" cy="1202076"/>
+          </a:xfrm>
+          <a:prstGeom prst="rightArrow">
+            <a:avLst/>
+          </a:prstGeom>
+        </p:spPr>
+        <p:style>
+          <a:lnRef idx="2">
+            <a:schemeClr val="dk1"/>
+          </a:lnRef>
+          <a:fillRef idx="1">
+            <a:schemeClr val="lt1"/>
+          </a:fillRef>
+          <a:effectRef idx="0">
+            <a:schemeClr val="dk1"/>
+          </a:effectRef>
+          <a:fontRef idx="minor">
+            <a:schemeClr val="dk1"/>
+          </a:fontRef>
+        </p:style>
+        <p:txBody>
+          <a:bodyPr rtlCol="0" anchor="ctr"/>
+          <a:lstStyle/>
+          <a:p>
+            <a:pPr algn="ctr"/>
+            <a:r>
+              <a:rPr lang="zh-CN" altLang="en-US" dirty="0"/>
+              <a:t>上传文件流</a:t>
+            </a:r>
+          </a:p>
+        </p:txBody>
+      </p:sp>
+      <p:cxnSp>
+        <p:nvCxnSpPr>
+          <p:cNvPr id="8" name="连接符: 肘形 7">
+            <a:extLst>
+              <a:ext uri="{FF2B5EF4-FFF2-40B4-BE49-F238E27FC236}">
+                <a16:creationId xmlns:a16="http://schemas.microsoft.com/office/drawing/2014/main" id="{80DC8290-5906-4DBB-BF76-BF437C66D665}"/>
+              </a:ext>
+            </a:extLst>
+          </p:cNvPr>
+          <p:cNvCxnSpPr>
+            <a:cxnSpLocks/>
+            <a:endCxn id="6" idx="2"/>
+          </p:cNvCxnSpPr>
+          <p:nvPr/>
+        </p:nvCxnSpPr>
+        <p:spPr>
+          <a:xfrm rot="5400000" flipH="1" flipV="1">
+            <a:off x="3045243" y="2078518"/>
+            <a:ext cx="1919336" cy="1678066"/>
+          </a:xfrm>
+          <a:prstGeom prst="bentConnector2">
+            <a:avLst/>
+          </a:prstGeom>
+          <a:ln w="38100">
+            <a:tailEnd type="triangle"/>
+          </a:ln>
+        </p:spPr>
+        <p:style>
+          <a:lnRef idx="1">
+            <a:schemeClr val="dk1"/>
+          </a:lnRef>
+          <a:fillRef idx="0">
+            <a:schemeClr val="dk1"/>
+          </a:fillRef>
+          <a:effectRef idx="0">
+            <a:schemeClr val="dk1"/>
+          </a:effectRef>
+          <a:fontRef idx="minor">
+            <a:schemeClr val="tx1"/>
+          </a:fontRef>
+        </p:style>
+      </p:cxnSp>
+      <p:sp>
+        <p:nvSpPr>
+          <p:cNvPr id="10" name="箭头: 右 9">
+            <a:extLst>
+              <a:ext uri="{FF2B5EF4-FFF2-40B4-BE49-F238E27FC236}">
+                <a16:creationId xmlns:a16="http://schemas.microsoft.com/office/drawing/2014/main" id="{62D6D69E-D899-4EEE-8B40-0D0C1F455F2A}"/>
+              </a:ext>
+            </a:extLst>
+          </p:cNvPr>
+          <p:cNvSpPr/>
+          <p:nvPr/>
+        </p:nvSpPr>
+        <p:spPr>
+          <a:xfrm>
+            <a:off x="3659038" y="4223855"/>
+            <a:ext cx="1356190" cy="1202076"/>
+          </a:xfrm>
+          <a:prstGeom prst="rightArrow">
+            <a:avLst/>
+          </a:prstGeom>
+        </p:spPr>
+        <p:style>
+          <a:lnRef idx="2">
+            <a:schemeClr val="dk1"/>
+          </a:lnRef>
+          <a:fillRef idx="1">
+            <a:schemeClr val="lt1"/>
+          </a:fillRef>
+          <a:effectRef idx="0">
+            <a:schemeClr val="dk1"/>
+          </a:effectRef>
+          <a:fontRef idx="minor">
+            <a:schemeClr val="dk1"/>
+          </a:fontRef>
+        </p:style>
+        <p:txBody>
+          <a:bodyPr rtlCol="0" anchor="ctr"/>
+          <a:lstStyle/>
+          <a:p>
+            <a:pPr algn="ctr"/>
+            <a:r>
+              <a:rPr lang="zh-CN" altLang="en-US" dirty="0"/>
+              <a:t>文件流</a:t>
+            </a:r>
+          </a:p>
+        </p:txBody>
+      </p:sp>
+      <p:sp>
+        <p:nvSpPr>
+          <p:cNvPr id="11" name="文本框 10">
+            <a:extLst>
+              <a:ext uri="{FF2B5EF4-FFF2-40B4-BE49-F238E27FC236}">
+                <a16:creationId xmlns:a16="http://schemas.microsoft.com/office/drawing/2014/main" id="{08519D3B-2EB1-4FF6-9A9A-9A511DA3E1DD}"/>
+              </a:ext>
+            </a:extLst>
+          </p:cNvPr>
+          <p:cNvSpPr txBox="1"/>
+          <p:nvPr/>
+        </p:nvSpPr>
+        <p:spPr>
+          <a:xfrm>
+            <a:off x="3165878" y="1604973"/>
+            <a:ext cx="1569660" cy="369332"/>
+          </a:xfrm>
+          <a:prstGeom prst="rect">
+            <a:avLst/>
+          </a:prstGeom>
+          <a:noFill/>
+        </p:spPr>
+        <p:txBody>
+          <a:bodyPr wrap="none" rtlCol="0">
+            <a:spAutoFit/>
+          </a:bodyPr>
+          <a:lstStyle/>
+          <a:p>
+            <a:r>
+              <a:rPr lang="zh-CN" altLang="en-US" dirty="0"/>
+              <a:t>查找相同文件</a:t>
+            </a:r>
+          </a:p>
+        </p:txBody>
+      </p:sp>
+      <p:sp>
+        <p:nvSpPr>
+          <p:cNvPr id="13" name="箭头: 右 12">
+            <a:extLst>
+              <a:ext uri="{FF2B5EF4-FFF2-40B4-BE49-F238E27FC236}">
+                <a16:creationId xmlns:a16="http://schemas.microsoft.com/office/drawing/2014/main" id="{CAA6C245-CB4A-4847-9005-4EBE33050200}"/>
+              </a:ext>
+            </a:extLst>
+          </p:cNvPr>
+          <p:cNvSpPr/>
+          <p:nvPr/>
+        </p:nvSpPr>
+        <p:spPr>
+          <a:xfrm>
+            <a:off x="5737846" y="4219880"/>
+            <a:ext cx="1356190" cy="1202076"/>
+          </a:xfrm>
+          <a:prstGeom prst="rightArrow">
+            <a:avLst/>
+          </a:prstGeom>
+        </p:spPr>
+        <p:style>
+          <a:lnRef idx="2">
+            <a:schemeClr val="dk1"/>
+          </a:lnRef>
+          <a:fillRef idx="1">
+            <a:schemeClr val="lt1"/>
+          </a:fillRef>
+          <a:effectRef idx="0">
+            <a:schemeClr val="dk1"/>
+          </a:effectRef>
+          <a:fontRef idx="minor">
+            <a:schemeClr val="dk1"/>
+          </a:fontRef>
+        </p:style>
+        <p:txBody>
+          <a:bodyPr rtlCol="0" anchor="ctr"/>
+          <a:lstStyle/>
+          <a:p>
+            <a:pPr algn="ctr"/>
+            <a:r>
+              <a:rPr lang="zh-CN" altLang="en-US" dirty="0"/>
+              <a:t>文件流</a:t>
+            </a:r>
+          </a:p>
+        </p:txBody>
+      </p:sp>
+      <p:sp>
+        <p:nvSpPr>
+          <p:cNvPr id="15" name="箭头: 右 14">
+            <a:extLst>
+              <a:ext uri="{FF2B5EF4-FFF2-40B4-BE49-F238E27FC236}">
+                <a16:creationId xmlns:a16="http://schemas.microsoft.com/office/drawing/2014/main" id="{3F202BE1-72E1-48C2-A9FD-B1A7638440DF}"/>
+              </a:ext>
+            </a:extLst>
+          </p:cNvPr>
+          <p:cNvSpPr/>
+          <p:nvPr/>
+        </p:nvSpPr>
+        <p:spPr>
+          <a:xfrm>
+            <a:off x="7816654" y="4219880"/>
+            <a:ext cx="1356190" cy="1202076"/>
+          </a:xfrm>
+          <a:prstGeom prst="rightArrow">
+            <a:avLst/>
+          </a:prstGeom>
+        </p:spPr>
+        <p:style>
+          <a:lnRef idx="2">
+            <a:schemeClr val="dk1"/>
+          </a:lnRef>
+          <a:fillRef idx="1">
+            <a:schemeClr val="lt1"/>
+          </a:fillRef>
+          <a:effectRef idx="0">
+            <a:schemeClr val="dk1"/>
+          </a:effectRef>
+          <a:fontRef idx="minor">
+            <a:schemeClr val="dk1"/>
+          </a:fontRef>
+        </p:style>
+        <p:txBody>
+          <a:bodyPr rtlCol="0" anchor="ctr"/>
+          <a:lstStyle/>
+          <a:p>
+            <a:pPr algn="ctr"/>
+            <a:r>
+              <a:rPr lang="zh-CN" altLang="en-US" dirty="0"/>
+              <a:t>流写入</a:t>
+            </a:r>
+          </a:p>
+        </p:txBody>
+      </p:sp>
+      <p:sp>
+        <p:nvSpPr>
+          <p:cNvPr id="20" name="立方体 19">
+            <a:extLst>
+              <a:ext uri="{FF2B5EF4-FFF2-40B4-BE49-F238E27FC236}">
+                <a16:creationId xmlns:a16="http://schemas.microsoft.com/office/drawing/2014/main" id="{EE26D08C-0259-4D63-9075-2F7372559278}"/>
+              </a:ext>
+            </a:extLst>
+          </p:cNvPr>
+          <p:cNvSpPr/>
+          <p:nvPr/>
+        </p:nvSpPr>
+        <p:spPr>
+          <a:xfrm flipH="1">
+            <a:off x="5229548" y="3217856"/>
+            <a:ext cx="1732904" cy="720877"/>
+          </a:xfrm>
+          <a:prstGeom prst="cube">
+            <a:avLst>
+              <a:gd name="adj" fmla="val 61458"/>
+            </a:avLst>
+          </a:prstGeom>
+        </p:spPr>
+        <p:style>
+          <a:lnRef idx="2">
+            <a:schemeClr val="dk1"/>
+          </a:lnRef>
+          <a:fillRef idx="1">
+            <a:schemeClr val="lt1"/>
+          </a:fillRef>
+          <a:effectRef idx="0">
+            <a:schemeClr val="dk1"/>
+          </a:effectRef>
+          <a:fontRef idx="minor">
+            <a:schemeClr val="dk1"/>
+          </a:fontRef>
+        </p:style>
+        <p:txBody>
+          <a:bodyPr vert="horz" rtlCol="0" anchor="ctr"/>
+          <a:lstStyle/>
+          <a:p>
+            <a:pPr algn="ctr"/>
+            <a:r>
+              <a:rPr lang="zh-CN" altLang="en-US" dirty="0"/>
+              <a:t>流式哈希</a:t>
+            </a:r>
+          </a:p>
+        </p:txBody>
+      </p:sp>
+      <p:sp>
+        <p:nvSpPr>
+          <p:cNvPr id="22" name="箭头: 上 21">
+            <a:extLst>
+              <a:ext uri="{FF2B5EF4-FFF2-40B4-BE49-F238E27FC236}">
+                <a16:creationId xmlns:a16="http://schemas.microsoft.com/office/drawing/2014/main" id="{F7FCA48C-0D6C-4F2B-8FA8-693128236727}"/>
+              </a:ext>
+            </a:extLst>
+          </p:cNvPr>
+          <p:cNvSpPr/>
+          <p:nvPr/>
+        </p:nvSpPr>
+        <p:spPr>
+          <a:xfrm>
+            <a:off x="4887383" y="2356903"/>
+            <a:ext cx="2417234" cy="1099821"/>
+          </a:xfrm>
+          <a:prstGeom prst="upArrow">
+            <a:avLst>
+              <a:gd name="adj1" fmla="val 38099"/>
+              <a:gd name="adj2" fmla="val 50000"/>
+            </a:avLst>
+          </a:prstGeom>
+        </p:spPr>
+        <p:style>
+          <a:lnRef idx="2">
+            <a:schemeClr val="dk1"/>
+          </a:lnRef>
+          <a:fillRef idx="1">
+            <a:schemeClr val="lt1"/>
+          </a:fillRef>
+          <a:effectRef idx="0">
+            <a:schemeClr val="dk1"/>
+          </a:effectRef>
+          <a:fontRef idx="minor">
+            <a:schemeClr val="dk1"/>
+          </a:fontRef>
+        </p:style>
+        <p:txBody>
+          <a:bodyPr rtlCol="0" anchor="ctr"/>
+          <a:lstStyle/>
+          <a:p>
+            <a:pPr algn="ctr"/>
+            <a:r>
+              <a:rPr lang="zh-CN" altLang="en-US" dirty="0"/>
+              <a:t>上传文件指纹</a:t>
+            </a:r>
+          </a:p>
+        </p:txBody>
+      </p:sp>
+      <p:sp>
+        <p:nvSpPr>
+          <p:cNvPr id="6" name="圆柱体 5">
+            <a:extLst>
+              <a:ext uri="{FF2B5EF4-FFF2-40B4-BE49-F238E27FC236}">
+                <a16:creationId xmlns:a16="http://schemas.microsoft.com/office/drawing/2014/main" id="{9E35C4B7-3971-4ABC-9BBB-F7DFB20EDACB}"/>
+              </a:ext>
+            </a:extLst>
+          </p:cNvPr>
+          <p:cNvSpPr/>
+          <p:nvPr/>
+        </p:nvSpPr>
+        <p:spPr>
+          <a:xfrm>
+            <a:off x="4843944" y="1559947"/>
+            <a:ext cx="4164150" cy="795871"/>
+          </a:xfrm>
+          <a:prstGeom prst="can">
+            <a:avLst/>
+          </a:prstGeom>
+        </p:spPr>
+        <p:style>
+          <a:lnRef idx="2">
+            <a:schemeClr val="dk1"/>
+          </a:lnRef>
+          <a:fillRef idx="1">
+            <a:schemeClr val="lt1"/>
+          </a:fillRef>
+          <a:effectRef idx="0">
+            <a:schemeClr val="dk1"/>
+          </a:effectRef>
+          <a:fontRef idx="minor">
+            <a:schemeClr val="dk1"/>
+          </a:fontRef>
+        </p:style>
+        <p:txBody>
+          <a:bodyPr rtlCol="0" anchor="ctr"/>
+          <a:lstStyle/>
+          <a:p>
+            <a:pPr algn="ctr"/>
+            <a:r>
+              <a:rPr lang="en-US" altLang="zh-CN" dirty="0" err="1"/>
+              <a:t>Pika</a:t>
+            </a:r>
+            <a:r>
+              <a:rPr lang="zh-CN" altLang="en-US" dirty="0"/>
+              <a:t>数据库</a:t>
+            </a:r>
+          </a:p>
+        </p:txBody>
+      </p:sp>
+    </p:spTree>
+    <p:extLst>
+      <p:ext uri="{BB962C8B-B14F-4D97-AF65-F5344CB8AC3E}">
+        <p14:creationId xmlns:p14="http://schemas.microsoft.com/office/powerpoint/2010/main" val="2869248190"/>
       </p:ext>
     </p:extLst>
   </p:cSld>
